--- a/doc/meetings/ldk-2021/2.b-ld4lt-summary.pptx
+++ b/doc/meetings/ldk-2021/2.b-ld4lt-summary.pptx
@@ -5,10 +5,10 @@
     <p:sldMasterId id="2147483649" r:id="rId1"/>
   </p:sldMasterIdLst>
   <p:notesMasterIdLst>
-    <p:notesMasterId r:id="rId19"/>
+    <p:notesMasterId r:id="rId22"/>
   </p:notesMasterIdLst>
   <p:handoutMasterIdLst>
-    <p:handoutMasterId r:id="rId20"/>
+    <p:handoutMasterId r:id="rId23"/>
   </p:handoutMasterIdLst>
   <p:sldIdLst>
     <p:sldId id="399" r:id="rId2"/>
@@ -25,9 +25,12 @@
     <p:sldId id="421" r:id="rId13"/>
     <p:sldId id="409" r:id="rId14"/>
     <p:sldId id="411" r:id="rId15"/>
-    <p:sldId id="413" r:id="rId16"/>
-    <p:sldId id="412" r:id="rId17"/>
-    <p:sldId id="416" r:id="rId18"/>
+    <p:sldId id="423" r:id="rId16"/>
+    <p:sldId id="413" r:id="rId17"/>
+    <p:sldId id="412" r:id="rId18"/>
+    <p:sldId id="424" r:id="rId19"/>
+    <p:sldId id="416" r:id="rId20"/>
+    <p:sldId id="422" r:id="rId21"/>
   </p:sldIdLst>
   <p:sldSz cx="9144000" cy="5143500" type="screen16x9"/>
   <p:notesSz cx="6797675" cy="9926638"/>
@@ -5074,6 +5077,178 @@
           <a:lstStyle/>
           <a:p>
             <a:r>
+              <a:rPr lang="de-DE" sz="2800" dirty="0" smtClean="0"/>
+              <a:t>Pilot survey: WA / NIF / both ?</a:t>
+            </a:r>
+          </a:p>
+          <a:p>
+            <a:pPr lvl="1"/>
+            <a:r>
+              <a:rPr lang="de-DE" sz="2400" dirty="0" smtClean="0"/>
+              <a:t>2018-2019</a:t>
+            </a:r>
+            <a:endParaRPr lang="de-DE" sz="2400" dirty="0" smtClean="0"/>
+          </a:p>
+          <a:p>
+            <a:pPr lvl="1"/>
+            <a:r>
+              <a:rPr lang="de-DE" sz="2400" dirty="0" smtClean="0"/>
+              <a:t>H2020 project Pret-a-LLOD</a:t>
+            </a:r>
+          </a:p>
+          <a:p>
+            <a:pPr lvl="2"/>
+            <a:r>
+              <a:rPr lang="en-US" sz="2000" dirty="0"/>
+              <a:t>Ready-to-use Multilingual Linked Language Data for Knowledge Services across </a:t>
+            </a:r>
+            <a:r>
+              <a:rPr lang="en-US" sz="2000" dirty="0" smtClean="0"/>
+              <a:t>Sectors (2019-2022)</a:t>
+            </a:r>
+            <a:endParaRPr lang="de-DE" sz="2000" dirty="0" smtClean="0"/>
+          </a:p>
+          <a:p>
+            <a:r>
+              <a:rPr lang="de-DE" sz="2800" dirty="0" smtClean="0"/>
+              <a:t>Series of telcos</a:t>
+            </a:r>
+          </a:p>
+          <a:p>
+            <a:pPr lvl="1"/>
+            <a:r>
+              <a:rPr lang="de-DE" sz="2400" dirty="0" smtClean="0"/>
+              <a:t>since 2019, somewhat irregular</a:t>
+            </a:r>
+          </a:p>
+          <a:p>
+            <a:pPr lvl="1"/>
+            <a:r>
+              <a:rPr lang="de-DE" sz="2400" i="1" dirty="0" smtClean="0"/>
+              <a:t>aiming </a:t>
+            </a:r>
+            <a:r>
+              <a:rPr lang="de-DE" sz="2400" dirty="0" smtClean="0"/>
+              <a:t>for a more regular rhythm</a:t>
+            </a:r>
+            <a:endParaRPr lang="de-DE" sz="2400" i="1" dirty="0" smtClean="0"/>
+          </a:p>
+          <a:p>
+            <a:pPr lvl="1"/>
+            <a:r>
+              <a:rPr lang="de-DE" sz="2400" dirty="0" smtClean="0"/>
+              <a:t>joint activity with Cost Action Nexus Linguarum (2019-2023)</a:t>
+            </a:r>
+            <a:endParaRPr lang="de-DE" sz="2400" dirty="0" smtClean="0"/>
+          </a:p>
+        </p:txBody>
+      </p:sp>
+      <p:sp>
+        <p:nvSpPr>
+          <p:cNvPr id="5" name="TextBox 4"/>
+          <p:cNvSpPr txBox="1"/>
+          <p:nvPr/>
+        </p:nvSpPr>
+        <p:spPr>
+          <a:xfrm>
+            <a:off x="464785" y="632996"/>
+            <a:ext cx="4107215" cy="338554"/>
+          </a:xfrm>
+          <a:prstGeom prst="rect">
+            <a:avLst/>
+          </a:prstGeom>
+          <a:noFill/>
+        </p:spPr>
+        <p:txBody>
+          <a:bodyPr wrap="none" rtlCol="0">
+            <a:spAutoFit/>
+          </a:bodyPr>
+          <a:lstStyle/>
+          <a:p>
+            <a:r>
+              <a:rPr lang="de-DE" sz="1600" dirty="0">
+                <a:hlinkClick r:id="rId2"/>
+              </a:rPr>
+              <a:t>https://github.com/ld4lt/linguistic-annotation</a:t>
+            </a:r>
+            <a:endParaRPr lang="de-DE" sz="1600" dirty="0"/>
+          </a:p>
+        </p:txBody>
+      </p:sp>
+    </p:spTree>
+    <p:extLst>
+      <p:ext uri="{BB962C8B-B14F-4D97-AF65-F5344CB8AC3E}">
+        <p14:creationId xmlns:p14="http://schemas.microsoft.com/office/powerpoint/2010/main" val="1071163729"/>
+      </p:ext>
+    </p:extLst>
+  </p:cSld>
+  <p:clrMapOvr>
+    <a:masterClrMapping/>
+  </p:clrMapOvr>
+</p:sld>
+</file>
+
+<file path=ppt/slides/slide15.xml><?xml version="1.0" encoding="utf-8"?>
+<p:sld xmlns:a="http://schemas.openxmlformats.org/drawingml/2006/main" xmlns:r="http://schemas.openxmlformats.org/officeDocument/2006/relationships" xmlns:p="http://schemas.openxmlformats.org/presentationml/2006/main">
+  <p:cSld>
+    <p:spTree>
+      <p:nvGrpSpPr>
+        <p:cNvPr id="1" name=""/>
+        <p:cNvGrpSpPr/>
+        <p:nvPr/>
+      </p:nvGrpSpPr>
+      <p:grpSpPr>
+        <a:xfrm>
+          <a:off x="0" y="0"/>
+          <a:ext cx="0" cy="0"/>
+          <a:chOff x="0" y="0"/>
+          <a:chExt cx="0" cy="0"/>
+        </a:xfrm>
+      </p:grpSpPr>
+      <p:sp>
+        <p:nvSpPr>
+          <p:cNvPr id="2" name="Title 1"/>
+          <p:cNvSpPr>
+            <a:spLocks noGrp="1"/>
+          </p:cNvSpPr>
+          <p:nvPr>
+            <p:ph type="title"/>
+          </p:nvPr>
+        </p:nvSpPr>
+        <p:spPr/>
+        <p:txBody>
+          <a:bodyPr/>
+          <a:lstStyle/>
+          <a:p>
+            <a:r>
+              <a:rPr lang="de-DE" dirty="0" smtClean="0"/>
+              <a:t>Approach so far</a:t>
+            </a:r>
+            <a:endParaRPr lang="de-DE" dirty="0"/>
+          </a:p>
+        </p:txBody>
+      </p:sp>
+      <p:sp>
+        <p:nvSpPr>
+          <p:cNvPr id="3" name="Content Placeholder 2"/>
+          <p:cNvSpPr>
+            <a:spLocks noGrp="1"/>
+          </p:cNvSpPr>
+          <p:nvPr>
+            <p:ph idx="1"/>
+          </p:nvPr>
+        </p:nvSpPr>
+        <p:spPr>
+          <a:xfrm>
+            <a:off x="457200" y="1200153"/>
+            <a:ext cx="8489286" cy="3394472"/>
+          </a:xfrm>
+        </p:spPr>
+        <p:txBody>
+          <a:bodyPr/>
+          <a:lstStyle/>
+          <a:p>
+            <a:r>
               <a:rPr lang="de-DE" dirty="0" smtClean="0"/>
               <a:t>Survey </a:t>
             </a:r>
@@ -5172,161 +5347,42 @@
           </a:extLst>
         </p:spPr>
       </p:pic>
+      <p:sp>
+        <p:nvSpPr>
+          <p:cNvPr id="5" name="TextBox 4"/>
+          <p:cNvSpPr txBox="1"/>
+          <p:nvPr/>
+        </p:nvSpPr>
+        <p:spPr>
+          <a:xfrm>
+            <a:off x="464785" y="632996"/>
+            <a:ext cx="4107215" cy="338554"/>
+          </a:xfrm>
+          <a:prstGeom prst="rect">
+            <a:avLst/>
+          </a:prstGeom>
+          <a:noFill/>
+        </p:spPr>
+        <p:txBody>
+          <a:bodyPr wrap="none" rtlCol="0">
+            <a:spAutoFit/>
+          </a:bodyPr>
+          <a:lstStyle/>
+          <a:p>
+            <a:r>
+              <a:rPr lang="de-DE" sz="1600" dirty="0">
+                <a:hlinkClick r:id="rId2"/>
+              </a:rPr>
+              <a:t>https://github.com/ld4lt/linguistic-annotation</a:t>
+            </a:r>
+            <a:endParaRPr lang="de-DE" sz="1600" dirty="0"/>
+          </a:p>
+        </p:txBody>
+      </p:sp>
     </p:spTree>
     <p:extLst>
       <p:ext uri="{BB962C8B-B14F-4D97-AF65-F5344CB8AC3E}">
-        <p14:creationId xmlns:p14="http://schemas.microsoft.com/office/powerpoint/2010/main" val="1071163729"/>
-      </p:ext>
-    </p:extLst>
-  </p:cSld>
-  <p:clrMapOvr>
-    <a:masterClrMapping/>
-  </p:clrMapOvr>
-</p:sld>
-</file>
-
-<file path=ppt/slides/slide15.xml><?xml version="1.0" encoding="utf-8"?>
-<p:sld xmlns:a="http://schemas.openxmlformats.org/drawingml/2006/main" xmlns:r="http://schemas.openxmlformats.org/officeDocument/2006/relationships" xmlns:p="http://schemas.openxmlformats.org/presentationml/2006/main">
-  <p:cSld>
-    <p:spTree>
-      <p:nvGrpSpPr>
-        <p:cNvPr id="1" name=""/>
-        <p:cNvGrpSpPr/>
-        <p:nvPr/>
-      </p:nvGrpSpPr>
-      <p:grpSpPr>
-        <a:xfrm>
-          <a:off x="0" y="0"/>
-          <a:ext cx="0" cy="0"/>
-          <a:chOff x="0" y="0"/>
-          <a:chExt cx="0" cy="0"/>
-        </a:xfrm>
-      </p:grpSpPr>
-      <p:sp>
-        <p:nvSpPr>
-          <p:cNvPr id="2" name="Title 1"/>
-          <p:cNvSpPr>
-            <a:spLocks noGrp="1"/>
-          </p:cNvSpPr>
-          <p:nvPr>
-            <p:ph type="title"/>
-          </p:nvPr>
-        </p:nvSpPr>
-        <p:spPr/>
-        <p:txBody>
-          <a:bodyPr/>
-          <a:lstStyle/>
-          <a:p>
-            <a:r>
-              <a:rPr lang="de-DE" dirty="0" smtClean="0"/>
-              <a:t>Approach so far</a:t>
-            </a:r>
-            <a:endParaRPr lang="de-DE" dirty="0"/>
-          </a:p>
-        </p:txBody>
-      </p:sp>
-      <p:sp>
-        <p:nvSpPr>
-          <p:cNvPr id="3" name="Content Placeholder 2"/>
-          <p:cNvSpPr>
-            <a:spLocks noGrp="1"/>
-          </p:cNvSpPr>
-          <p:nvPr>
-            <p:ph idx="1"/>
-          </p:nvPr>
-        </p:nvSpPr>
-        <p:spPr>
-          <a:xfrm>
-            <a:off x="457200" y="1200153"/>
-            <a:ext cx="8489286" cy="3394472"/>
-          </a:xfrm>
-        </p:spPr>
-        <p:txBody>
-          <a:bodyPr/>
-          <a:lstStyle/>
-          <a:p>
-            <a:r>
-              <a:rPr lang="de-DE" dirty="0" smtClean="0"/>
-              <a:t>Survey </a:t>
-            </a:r>
-            <a:r>
-              <a:rPr lang="de-DE" dirty="0" smtClean="0"/>
-              <a:t>of requirements and </a:t>
-            </a:r>
-            <a:r>
-              <a:rPr lang="de-DE" dirty="0" smtClean="0"/>
-              <a:t>features</a:t>
-            </a:r>
-          </a:p>
-          <a:p>
-            <a:pPr marL="344487" lvl="1" indent="0">
-              <a:buNone/>
-            </a:pPr>
-            <a:r>
-              <a:rPr lang="de-DE" sz="1600" dirty="0" smtClean="0">
-                <a:hlinkClick r:id="rId2"/>
-              </a:rPr>
-              <a:t>https</a:t>
-            </a:r>
-            <a:r>
-              <a:rPr lang="de-DE" sz="1600" dirty="0">
-                <a:hlinkClick r:id="rId2"/>
-              </a:rPr>
-              <a:t>://</a:t>
-            </a:r>
-            <a:r>
-              <a:rPr lang="de-DE" sz="1600" dirty="0" smtClean="0">
-                <a:hlinkClick r:id="rId2"/>
-              </a:rPr>
-              <a:t>github.com/ld4lt/linguistic-annotation/tree/master/survey</a:t>
-            </a:r>
-            <a:r>
-              <a:rPr lang="de-DE" sz="1600" dirty="0" smtClean="0"/>
-              <a:t> </a:t>
-            </a:r>
-          </a:p>
-          <a:p>
-            <a:pPr lvl="1"/>
-            <a:r>
-              <a:rPr lang="de-DE" dirty="0" smtClean="0"/>
-              <a:t>still incomplete</a:t>
-            </a:r>
-          </a:p>
-          <a:p>
-            <a:pPr lvl="2"/>
-            <a:r>
-              <a:rPr lang="de-DE" i="1" dirty="0" smtClean="0"/>
-              <a:t>add statistics on features and formats</a:t>
-            </a:r>
-          </a:p>
-          <a:p>
-            <a:pPr lvl="2"/>
-            <a:r>
-              <a:rPr lang="de-DE" dirty="0" smtClean="0"/>
-              <a:t>to be added: TEI, ISO</a:t>
-            </a:r>
-          </a:p>
-          <a:p>
-            <a:pPr lvl="1"/>
-            <a:r>
-              <a:rPr lang="de-DE" dirty="0" smtClean="0"/>
-              <a:t>partially fed into a draft article</a:t>
-            </a:r>
-          </a:p>
-          <a:p>
-            <a:pPr lvl="2"/>
-            <a:r>
-              <a:rPr lang="de-DE" dirty="0" smtClean="0"/>
-              <a:t>Khan et al. (ms), TITLE</a:t>
-            </a:r>
-            <a:endParaRPr lang="de-DE" dirty="0" smtClean="0"/>
-          </a:p>
-        </p:txBody>
-      </p:sp>
-    </p:spTree>
-    <p:extLst>
-      <p:ext uri="{BB962C8B-B14F-4D97-AF65-F5344CB8AC3E}">
-        <p14:creationId xmlns:p14="http://schemas.microsoft.com/office/powerpoint/2010/main" val="1340305448"/>
+        <p14:creationId xmlns:p14="http://schemas.microsoft.com/office/powerpoint/2010/main" val="3854235062"/>
       </p:ext>
     </p:extLst>
   </p:cSld>
@@ -5402,65 +5458,114 @@
             </a:r>
             <a:r>
               <a:rPr lang="de-DE" dirty="0" smtClean="0"/>
-              <a:t>of requirements and features</a:t>
-            </a:r>
-          </a:p>
-          <a:p>
-            <a:r>
-              <a:rPr lang="de-DE" dirty="0" smtClean="0"/>
-              <a:t>Now, </a:t>
-            </a:r>
-            <a:r>
-              <a:rPr lang="de-DE" dirty="0" smtClean="0"/>
-              <a:t>decide how to develop common </a:t>
-            </a:r>
-            <a:r>
-              <a:rPr lang="de-DE" dirty="0" smtClean="0"/>
-              <a:t>specifications</a:t>
+              <a:t>of requirements and </a:t>
+            </a:r>
+            <a:r>
+              <a:rPr lang="de-DE" dirty="0" smtClean="0"/>
+              <a:t>features</a:t>
+            </a:r>
+          </a:p>
+          <a:p>
+            <a:pPr marL="344487" lvl="1" indent="0">
+              <a:buNone/>
+            </a:pPr>
+            <a:r>
+              <a:rPr lang="de-DE" sz="1600" dirty="0" smtClean="0">
+                <a:hlinkClick r:id="rId2"/>
+              </a:rPr>
+              <a:t>https</a:t>
+            </a:r>
+            <a:r>
+              <a:rPr lang="de-DE" sz="1600" dirty="0">
+                <a:hlinkClick r:id="rId2"/>
+              </a:rPr>
+              <a:t>://</a:t>
+            </a:r>
+            <a:r>
+              <a:rPr lang="de-DE" sz="1600" dirty="0" smtClean="0">
+                <a:hlinkClick r:id="rId2"/>
+              </a:rPr>
+              <a:t>github.com/ld4lt/linguistic-annotation/tree/master/survey</a:t>
+            </a:r>
+            <a:r>
+              <a:rPr lang="de-DE" sz="1600" dirty="0" smtClean="0"/>
+              <a:t> </a:t>
             </a:r>
           </a:p>
           <a:p>
             <a:pPr lvl="1"/>
             <a:r>
               <a:rPr lang="de-DE" dirty="0" smtClean="0"/>
-              <a:t>Extending an established vocabulary?</a:t>
+              <a:t>still incomplete</a:t>
+            </a:r>
+          </a:p>
+          <a:p>
+            <a:pPr lvl="2"/>
+            <a:r>
+              <a:rPr lang="de-DE" i="1" dirty="0" smtClean="0"/>
+              <a:t>add statistics on features and formats</a:t>
+            </a:r>
+          </a:p>
+          <a:p>
+            <a:pPr lvl="2"/>
+            <a:r>
+              <a:rPr lang="de-DE" dirty="0" smtClean="0"/>
+              <a:t>to be added: TEI, ISO</a:t>
             </a:r>
           </a:p>
           <a:p>
             <a:pPr lvl="1"/>
             <a:r>
               <a:rPr lang="de-DE" dirty="0" smtClean="0"/>
-              <a:t>Which one?</a:t>
+              <a:t>partially fed into a draft article</a:t>
             </a:r>
           </a:p>
           <a:p>
             <a:pPr lvl="2"/>
             <a:r>
               <a:rPr lang="de-DE" dirty="0" smtClean="0"/>
-              <a:t>„Web Annotation for Linguistic Annotation (WALT)“?</a:t>
-            </a:r>
-          </a:p>
-          <a:p>
-            <a:pPr lvl="2"/>
-            <a:r>
-              <a:rPr lang="de-DE" dirty="0" smtClean="0"/>
-              <a:t>„NIF 2.0“ ?</a:t>
-            </a:r>
-          </a:p>
-          <a:p>
-            <a:pPr lvl="2"/>
-            <a:r>
-              <a:rPr lang="de-DE" dirty="0" smtClean="0"/>
-              <a:t>„LAF-RDF“ ?</a:t>
+              <a:t>Khan et al. (ms), TITLE</a:t>
             </a:r>
             <a:endParaRPr lang="de-DE" dirty="0" smtClean="0"/>
+          </a:p>
+        </p:txBody>
+      </p:sp>
+      <p:sp>
+        <p:nvSpPr>
+          <p:cNvPr id="5" name="TextBox 4"/>
+          <p:cNvSpPr txBox="1"/>
+          <p:nvPr/>
+        </p:nvSpPr>
+        <p:spPr>
+          <a:xfrm>
+            <a:off x="464785" y="632996"/>
+            <a:ext cx="4107215" cy="338554"/>
+          </a:xfrm>
+          <a:prstGeom prst="rect">
+            <a:avLst/>
+          </a:prstGeom>
+          <a:noFill/>
+        </p:spPr>
+        <p:txBody>
+          <a:bodyPr wrap="none" rtlCol="0">
+            <a:spAutoFit/>
+          </a:bodyPr>
+          <a:lstStyle/>
+          <a:p>
+            <a:r>
+              <a:rPr lang="de-DE" sz="1600" dirty="0">
+                <a:hlinkClick r:id="rId2"/>
+              </a:rPr>
+              <a:t>https://github.com/ld4lt/linguistic-annotation</a:t>
+            </a:r>
+            <a:endParaRPr lang="de-DE" sz="1600" dirty="0"/>
           </a:p>
         </p:txBody>
       </p:sp>
     </p:spTree>
     <p:extLst>
       <p:ext uri="{BB962C8B-B14F-4D97-AF65-F5344CB8AC3E}">
-        <p14:creationId xmlns:p14="http://schemas.microsoft.com/office/powerpoint/2010/main" val="1277673667"/>
+        <p14:creationId xmlns:p14="http://schemas.microsoft.com/office/powerpoint/2010/main" val="1340305448"/>
       </p:ext>
     </p:extLst>
   </p:cSld>
@@ -5520,6 +5625,323 @@
             <p:ph idx="1"/>
           </p:nvPr>
         </p:nvSpPr>
+        <p:spPr>
+          <a:xfrm>
+            <a:off x="457200" y="1200153"/>
+            <a:ext cx="8489286" cy="3394472"/>
+          </a:xfrm>
+        </p:spPr>
+        <p:txBody>
+          <a:bodyPr/>
+          <a:lstStyle/>
+          <a:p>
+            <a:r>
+              <a:rPr lang="de-DE" dirty="0" smtClean="0"/>
+              <a:t>Survey </a:t>
+            </a:r>
+            <a:r>
+              <a:rPr lang="de-DE" dirty="0" smtClean="0"/>
+              <a:t>of requirements and features</a:t>
+            </a:r>
+          </a:p>
+          <a:p>
+            <a:r>
+              <a:rPr lang="de-DE" dirty="0" smtClean="0"/>
+              <a:t>Now, </a:t>
+            </a:r>
+            <a:r>
+              <a:rPr lang="de-DE" dirty="0" smtClean="0"/>
+              <a:t>decide how to develop common </a:t>
+            </a:r>
+            <a:r>
+              <a:rPr lang="de-DE" dirty="0" smtClean="0"/>
+              <a:t>specifications</a:t>
+            </a:r>
+          </a:p>
+          <a:p>
+            <a:pPr lvl="1"/>
+            <a:r>
+              <a:rPr lang="de-DE" dirty="0" smtClean="0"/>
+              <a:t>Extending an established vocabulary?</a:t>
+            </a:r>
+          </a:p>
+          <a:p>
+            <a:pPr lvl="1"/>
+            <a:r>
+              <a:rPr lang="de-DE" dirty="0" smtClean="0"/>
+              <a:t>Which one?</a:t>
+            </a:r>
+          </a:p>
+          <a:p>
+            <a:pPr lvl="2"/>
+            <a:r>
+              <a:rPr lang="de-DE" dirty="0" smtClean="0"/>
+              <a:t>„Web Annotation for Linguistic Annotation (WALT)“?</a:t>
+            </a:r>
+          </a:p>
+          <a:p>
+            <a:pPr lvl="2"/>
+            <a:r>
+              <a:rPr lang="de-DE" dirty="0" smtClean="0"/>
+              <a:t>„NIF 2.0“ ?</a:t>
+            </a:r>
+          </a:p>
+          <a:p>
+            <a:pPr lvl="2"/>
+            <a:r>
+              <a:rPr lang="de-DE" dirty="0" smtClean="0"/>
+              <a:t>„LAF-RDF“ ?</a:t>
+            </a:r>
+            <a:endParaRPr lang="de-DE" dirty="0" smtClean="0"/>
+          </a:p>
+        </p:txBody>
+      </p:sp>
+      <p:sp>
+        <p:nvSpPr>
+          <p:cNvPr id="4" name="TextBox 3"/>
+          <p:cNvSpPr txBox="1"/>
+          <p:nvPr/>
+        </p:nvSpPr>
+        <p:spPr>
+          <a:xfrm>
+            <a:off x="464785" y="632996"/>
+            <a:ext cx="4107215" cy="338554"/>
+          </a:xfrm>
+          <a:prstGeom prst="rect">
+            <a:avLst/>
+          </a:prstGeom>
+          <a:noFill/>
+        </p:spPr>
+        <p:txBody>
+          <a:bodyPr wrap="none" rtlCol="0">
+            <a:spAutoFit/>
+          </a:bodyPr>
+          <a:lstStyle/>
+          <a:p>
+            <a:r>
+              <a:rPr lang="de-DE" sz="1600" dirty="0">
+                <a:hlinkClick r:id="rId2"/>
+              </a:rPr>
+              <a:t>https://github.com/ld4lt/linguistic-annotation</a:t>
+            </a:r>
+            <a:endParaRPr lang="de-DE" sz="1600" dirty="0"/>
+          </a:p>
+        </p:txBody>
+      </p:sp>
+    </p:spTree>
+    <p:extLst>
+      <p:ext uri="{BB962C8B-B14F-4D97-AF65-F5344CB8AC3E}">
+        <p14:creationId xmlns:p14="http://schemas.microsoft.com/office/powerpoint/2010/main" val="1277673667"/>
+      </p:ext>
+    </p:extLst>
+  </p:cSld>
+  <p:clrMapOvr>
+    <a:masterClrMapping/>
+  </p:clrMapOvr>
+</p:sld>
+</file>
+
+<file path=ppt/slides/slide18.xml><?xml version="1.0" encoding="utf-8"?>
+<p:sld xmlns:a="http://schemas.openxmlformats.org/drawingml/2006/main" xmlns:r="http://schemas.openxmlformats.org/officeDocument/2006/relationships" xmlns:p="http://schemas.openxmlformats.org/presentationml/2006/main">
+  <p:cSld>
+    <p:spTree>
+      <p:nvGrpSpPr>
+        <p:cNvPr id="1" name=""/>
+        <p:cNvGrpSpPr/>
+        <p:nvPr/>
+      </p:nvGrpSpPr>
+      <p:grpSpPr>
+        <a:xfrm>
+          <a:off x="0" y="0"/>
+          <a:ext cx="0" cy="0"/>
+          <a:chOff x="0" y="0"/>
+          <a:chExt cx="0" cy="0"/>
+        </a:xfrm>
+      </p:grpSpPr>
+      <p:sp>
+        <p:nvSpPr>
+          <p:cNvPr id="2" name="Title 1"/>
+          <p:cNvSpPr>
+            <a:spLocks noGrp="1"/>
+          </p:cNvSpPr>
+          <p:nvPr>
+            <p:ph type="title"/>
+          </p:nvPr>
+        </p:nvSpPr>
+        <p:spPr/>
+        <p:txBody>
+          <a:bodyPr/>
+          <a:lstStyle/>
+          <a:p>
+            <a:r>
+              <a:rPr lang="de-DE" dirty="0" smtClean="0"/>
+              <a:t>Approach so far</a:t>
+            </a:r>
+            <a:endParaRPr lang="de-DE" dirty="0"/>
+          </a:p>
+        </p:txBody>
+      </p:sp>
+      <p:sp>
+        <p:nvSpPr>
+          <p:cNvPr id="3" name="Content Placeholder 2"/>
+          <p:cNvSpPr>
+            <a:spLocks noGrp="1"/>
+          </p:cNvSpPr>
+          <p:nvPr>
+            <p:ph idx="1"/>
+          </p:nvPr>
+        </p:nvSpPr>
+        <p:spPr>
+          <a:xfrm>
+            <a:off x="457200" y="1200153"/>
+            <a:ext cx="8489286" cy="3394472"/>
+          </a:xfrm>
+        </p:spPr>
+        <p:txBody>
+          <a:bodyPr/>
+          <a:lstStyle/>
+          <a:p>
+            <a:r>
+              <a:rPr lang="de-DE" dirty="0" smtClean="0"/>
+              <a:t>Survey </a:t>
+            </a:r>
+            <a:r>
+              <a:rPr lang="de-DE" dirty="0" smtClean="0"/>
+              <a:t>of requirements and features</a:t>
+            </a:r>
+          </a:p>
+          <a:p>
+            <a:r>
+              <a:rPr lang="de-DE" dirty="0" smtClean="0"/>
+              <a:t>Now, </a:t>
+            </a:r>
+            <a:r>
+              <a:rPr lang="de-DE" dirty="0" smtClean="0"/>
+              <a:t>decide how to develop common </a:t>
+            </a:r>
+            <a:r>
+              <a:rPr lang="de-DE" dirty="0" smtClean="0"/>
+              <a:t>specifications</a:t>
+            </a:r>
+          </a:p>
+          <a:p>
+            <a:pPr lvl="1"/>
+            <a:r>
+              <a:rPr lang="de-DE" dirty="0" smtClean="0"/>
+              <a:t>Extending an established vocabulary?</a:t>
+            </a:r>
+          </a:p>
+          <a:p>
+            <a:pPr lvl="1"/>
+            <a:r>
+              <a:rPr lang="de-DE" dirty="0" smtClean="0"/>
+              <a:t>Deeper discussion of sub-topics =&gt; separate calls</a:t>
+            </a:r>
+          </a:p>
+          <a:p>
+            <a:pPr lvl="2"/>
+            <a:r>
+              <a:rPr lang="de-DE" dirty="0" smtClean="0"/>
+              <a:t>suggested for fragment identifiers</a:t>
+            </a:r>
+          </a:p>
+        </p:txBody>
+      </p:sp>
+      <p:sp>
+        <p:nvSpPr>
+          <p:cNvPr id="4" name="TextBox 3"/>
+          <p:cNvSpPr txBox="1"/>
+          <p:nvPr/>
+        </p:nvSpPr>
+        <p:spPr>
+          <a:xfrm>
+            <a:off x="464785" y="632996"/>
+            <a:ext cx="4107215" cy="338554"/>
+          </a:xfrm>
+          <a:prstGeom prst="rect">
+            <a:avLst/>
+          </a:prstGeom>
+          <a:noFill/>
+        </p:spPr>
+        <p:txBody>
+          <a:bodyPr wrap="none" rtlCol="0">
+            <a:spAutoFit/>
+          </a:bodyPr>
+          <a:lstStyle/>
+          <a:p>
+            <a:r>
+              <a:rPr lang="de-DE" sz="1600" dirty="0">
+                <a:hlinkClick r:id="rId2"/>
+              </a:rPr>
+              <a:t>https://github.com/ld4lt/linguistic-annotation</a:t>
+            </a:r>
+            <a:endParaRPr lang="de-DE" sz="1600" dirty="0"/>
+          </a:p>
+        </p:txBody>
+      </p:sp>
+    </p:spTree>
+    <p:extLst>
+      <p:ext uri="{BB962C8B-B14F-4D97-AF65-F5344CB8AC3E}">
+        <p14:creationId xmlns:p14="http://schemas.microsoft.com/office/powerpoint/2010/main" val="896756812"/>
+      </p:ext>
+    </p:extLst>
+  </p:cSld>
+  <p:clrMapOvr>
+    <a:masterClrMapping/>
+  </p:clrMapOvr>
+</p:sld>
+</file>
+
+<file path=ppt/slides/slide19.xml><?xml version="1.0" encoding="utf-8"?>
+<p:sld xmlns:a="http://schemas.openxmlformats.org/drawingml/2006/main" xmlns:r="http://schemas.openxmlformats.org/officeDocument/2006/relationships" xmlns:p="http://schemas.openxmlformats.org/presentationml/2006/main">
+  <p:cSld>
+    <p:spTree>
+      <p:nvGrpSpPr>
+        <p:cNvPr id="1" name=""/>
+        <p:cNvGrpSpPr/>
+        <p:nvPr/>
+      </p:nvGrpSpPr>
+      <p:grpSpPr>
+        <a:xfrm>
+          <a:off x="0" y="0"/>
+          <a:ext cx="0" cy="0"/>
+          <a:chOff x="0" y="0"/>
+          <a:chExt cx="0" cy="0"/>
+        </a:xfrm>
+      </p:grpSpPr>
+      <p:sp>
+        <p:nvSpPr>
+          <p:cNvPr id="2" name="Title 1"/>
+          <p:cNvSpPr>
+            <a:spLocks noGrp="1"/>
+          </p:cNvSpPr>
+          <p:nvPr>
+            <p:ph type="title"/>
+          </p:nvPr>
+        </p:nvSpPr>
+        <p:spPr/>
+        <p:txBody>
+          <a:bodyPr/>
+          <a:lstStyle/>
+          <a:p>
+            <a:r>
+              <a:rPr lang="de-DE" dirty="0" smtClean="0"/>
+              <a:t>Approach so far</a:t>
+            </a:r>
+            <a:endParaRPr lang="de-DE" dirty="0"/>
+          </a:p>
+        </p:txBody>
+      </p:sp>
+      <p:sp>
+        <p:nvSpPr>
+          <p:cNvPr id="3" name="Content Placeholder 2"/>
+          <p:cNvSpPr>
+            <a:spLocks noGrp="1"/>
+          </p:cNvSpPr>
+          <p:nvPr>
+            <p:ph idx="1"/>
+          </p:nvPr>
+        </p:nvSpPr>
         <p:spPr/>
         <p:txBody>
           <a:bodyPr/>
@@ -5596,9 +6018,41 @@
             <a:fld id="{DF4DF032-40E7-4198-BBCB-DA8E7ED0C5DD}" type="slidenum">
               <a:rPr lang="de-DE" altLang="en-US" smtClean="0"/>
               <a:pPr/>
-              <a:t>17</a:t>
+              <a:t>19</a:t>
             </a:fld>
             <a:endParaRPr lang="de-DE" altLang="en-US" dirty="0"/>
+          </a:p>
+        </p:txBody>
+      </p:sp>
+      <p:sp>
+        <p:nvSpPr>
+          <p:cNvPr id="5" name="TextBox 4"/>
+          <p:cNvSpPr txBox="1"/>
+          <p:nvPr/>
+        </p:nvSpPr>
+        <p:spPr>
+          <a:xfrm>
+            <a:off x="464785" y="632996"/>
+            <a:ext cx="4107215" cy="338554"/>
+          </a:xfrm>
+          <a:prstGeom prst="rect">
+            <a:avLst/>
+          </a:prstGeom>
+          <a:noFill/>
+        </p:spPr>
+        <p:txBody>
+          <a:bodyPr wrap="none" rtlCol="0">
+            <a:spAutoFit/>
+          </a:bodyPr>
+          <a:lstStyle/>
+          <a:p>
+            <a:r>
+              <a:rPr lang="de-DE" sz="1600" dirty="0">
+                <a:hlinkClick r:id="rId2"/>
+              </a:rPr>
+              <a:t>https://github.com/ld4lt/linguistic-annotation</a:t>
+            </a:r>
+            <a:endParaRPr lang="de-DE" sz="1600" dirty="0"/>
           </a:p>
         </p:txBody>
       </p:sp>
@@ -5892,6 +6346,163 @@
     <p:extLst>
       <p:ext uri="{BB962C8B-B14F-4D97-AF65-F5344CB8AC3E}">
         <p14:creationId xmlns:p14="http://schemas.microsoft.com/office/powerpoint/2010/main" val="3784618072"/>
+      </p:ext>
+    </p:extLst>
+  </p:cSld>
+  <p:clrMapOvr>
+    <a:masterClrMapping/>
+  </p:clrMapOvr>
+</p:sld>
+</file>
+
+<file path=ppt/slides/slide20.xml><?xml version="1.0" encoding="utf-8"?>
+<p:sld xmlns:a="http://schemas.openxmlformats.org/drawingml/2006/main" xmlns:r="http://schemas.openxmlformats.org/officeDocument/2006/relationships" xmlns:p="http://schemas.openxmlformats.org/presentationml/2006/main">
+  <p:cSld>
+    <p:spTree>
+      <p:nvGrpSpPr>
+        <p:cNvPr id="1" name=""/>
+        <p:cNvGrpSpPr/>
+        <p:nvPr/>
+      </p:nvGrpSpPr>
+      <p:grpSpPr>
+        <a:xfrm>
+          <a:off x="0" y="0"/>
+          <a:ext cx="0" cy="0"/>
+          <a:chOff x="0" y="0"/>
+          <a:chExt cx="0" cy="0"/>
+        </a:xfrm>
+      </p:grpSpPr>
+      <p:sp>
+        <p:nvSpPr>
+          <p:cNvPr id="2" name="Title 1"/>
+          <p:cNvSpPr>
+            <a:spLocks noGrp="1"/>
+          </p:cNvSpPr>
+          <p:nvPr>
+            <p:ph type="title"/>
+          </p:nvPr>
+        </p:nvSpPr>
+        <p:spPr/>
+        <p:txBody>
+          <a:bodyPr/>
+          <a:lstStyle/>
+          <a:p>
+            <a:r>
+              <a:rPr lang="de-DE" dirty="0" smtClean="0"/>
+              <a:t>Materials</a:t>
+            </a:r>
+            <a:endParaRPr lang="de-DE" dirty="0"/>
+          </a:p>
+        </p:txBody>
+      </p:sp>
+      <p:sp>
+        <p:nvSpPr>
+          <p:cNvPr id="3" name="Content Placeholder 2"/>
+          <p:cNvSpPr>
+            <a:spLocks noGrp="1"/>
+          </p:cNvSpPr>
+          <p:nvPr>
+            <p:ph idx="1"/>
+          </p:nvPr>
+        </p:nvSpPr>
+        <p:spPr/>
+        <p:txBody>
+          <a:bodyPr/>
+          <a:lstStyle/>
+          <a:p>
+            <a:r>
+              <a:rPr lang="de-DE" dirty="0" smtClean="0"/>
+              <a:t>LD4LT mailing list &amp; wiki</a:t>
+            </a:r>
+          </a:p>
+          <a:p>
+            <a:pPr lvl="1"/>
+            <a:r>
+              <a:rPr lang="de-DE" dirty="0">
+                <a:hlinkClick r:id="rId2"/>
+              </a:rPr>
+              <a:t>https://www.w3.org/community/ld4lt</a:t>
+            </a:r>
+            <a:r>
+              <a:rPr lang="de-DE" dirty="0" smtClean="0">
+                <a:hlinkClick r:id="rId2"/>
+              </a:rPr>
+              <a:t>/</a:t>
+            </a:r>
+            <a:endParaRPr lang="de-DE" dirty="0" smtClean="0"/>
+          </a:p>
+          <a:p>
+            <a:pPr lvl="1"/>
+            <a:r>
+              <a:rPr lang="de-DE" dirty="0">
+                <a:hlinkClick r:id="rId3"/>
+              </a:rPr>
+              <a:t>https://</a:t>
+            </a:r>
+            <a:r>
+              <a:rPr lang="de-DE" dirty="0" smtClean="0">
+                <a:hlinkClick r:id="rId3"/>
+              </a:rPr>
+              <a:t>www.w3.org/community/ld4lt/wiki/Main_Page#Use_Cases</a:t>
+            </a:r>
+            <a:r>
+              <a:rPr lang="de-DE" dirty="0" smtClean="0"/>
+              <a:t> </a:t>
+            </a:r>
+            <a:endParaRPr lang="de-DE" dirty="0" smtClean="0"/>
+          </a:p>
+          <a:p>
+            <a:r>
+              <a:rPr lang="de-DE" dirty="0" smtClean="0"/>
+              <a:t>GitHub, incl. archive</a:t>
+            </a:r>
+          </a:p>
+          <a:p>
+            <a:pPr lvl="1"/>
+            <a:r>
+              <a:rPr lang="de-DE" dirty="0">
+                <a:hlinkClick r:id="rId4"/>
+              </a:rPr>
+              <a:t>https://</a:t>
+            </a:r>
+            <a:r>
+              <a:rPr lang="de-DE" dirty="0" smtClean="0">
+                <a:hlinkClick r:id="rId4"/>
+              </a:rPr>
+              <a:t>github.com/ld4lt/linguistic-annotation</a:t>
+            </a:r>
+            <a:endParaRPr lang="de-DE" dirty="0" smtClean="0"/>
+          </a:p>
+        </p:txBody>
+      </p:sp>
+      <p:sp>
+        <p:nvSpPr>
+          <p:cNvPr id="4" name="Slide Number Placeholder 3"/>
+          <p:cNvSpPr>
+            <a:spLocks noGrp="1"/>
+          </p:cNvSpPr>
+          <p:nvPr>
+            <p:ph type="sldNum" sz="quarter" idx="4"/>
+          </p:nvPr>
+        </p:nvSpPr>
+        <p:spPr/>
+        <p:txBody>
+          <a:bodyPr/>
+          <a:lstStyle/>
+          <a:p>
+            <a:fld id="{DF4DF032-40E7-4198-BBCB-DA8E7ED0C5DD}" type="slidenum">
+              <a:rPr lang="de-DE" altLang="en-US" smtClean="0"/>
+              <a:pPr/>
+              <a:t>20</a:t>
+            </a:fld>
+            <a:endParaRPr lang="de-DE" altLang="en-US" dirty="0"/>
+          </a:p>
+        </p:txBody>
+      </p:sp>
+    </p:spTree>
+    <p:extLst>
+      <p:ext uri="{BB962C8B-B14F-4D97-AF65-F5344CB8AC3E}">
+        <p14:creationId xmlns:p14="http://schemas.microsoft.com/office/powerpoint/2010/main" val="3418369804"/>
       </p:ext>
     </p:extLst>
   </p:cSld>

--- a/doc/meetings/ldk-2021/2.b-ld4lt-summary.pptx
+++ b/doc/meetings/ldk-2021/2.b-ld4lt-summary.pptx
@@ -246,7 +246,7 @@
             <a:fld id="{C2F2E05C-DC70-4FFA-82FC-2DC031184B82}" type="datetimeFigureOut">
               <a:rPr lang="de-DE" smtClean="0"/>
               <a:pPr/>
-              <a:t>31.08.2021</a:t>
+              <a:t>01.09.2021</a:t>
             </a:fld>
             <a:endParaRPr lang="de-DE"/>
           </a:p>
@@ -4431,8 +4431,8 @@
           </a:p>
         </p:txBody>
       </p:sp>
-      <mc:AlternateContent xmlns:mc="http://schemas.openxmlformats.org/markup-compatibility/2006">
-        <mc:Choice xmlns:a14="http://schemas.microsoft.com/office/drawing/2010/main" Requires="a14">
+      <mc:AlternateContent xmlns:mc="http://schemas.openxmlformats.org/markup-compatibility/2006" xmlns:a14="http://schemas.microsoft.com/office/drawing/2010/main">
+        <mc:Choice Requires="a14">
           <p:sp>
             <p:nvSpPr>
               <p:cNvPr id="3" name="Content Placeholder 2"/>
@@ -4587,7 +4587,7 @@
             </p:txBody>
           </p:sp>
         </mc:Choice>
-        <mc:Fallback>
+        <mc:Fallback xmlns="">
           <p:sp>
             <p:nvSpPr>
               <p:cNvPr id="3" name="Content Placeholder 2"/>
@@ -5087,7 +5087,6 @@
               <a:rPr lang="de-DE" sz="2400" dirty="0" smtClean="0"/>
               <a:t>2018-2019</a:t>
             </a:r>
-            <a:endParaRPr lang="de-DE" sz="2400" dirty="0" smtClean="0"/>
           </a:p>
           <a:p>
             <a:pPr lvl="1"/>
@@ -5139,7 +5138,6 @@
               <a:rPr lang="de-DE" sz="2400" dirty="0" smtClean="0"/>
               <a:t>joint activity with Cost Action Nexus Linguarum (2019-2023)</a:t>
             </a:r>
-            <a:endParaRPr lang="de-DE" sz="2400" dirty="0" smtClean="0"/>
           </a:p>
         </p:txBody>
       </p:sp>
@@ -5250,15 +5248,7 @@
           <a:p>
             <a:r>
               <a:rPr lang="de-DE" dirty="0" smtClean="0"/>
-              <a:t>Survey </a:t>
-            </a:r>
-            <a:r>
-              <a:rPr lang="de-DE" dirty="0" smtClean="0"/>
-              <a:t>of requirements and </a:t>
-            </a:r>
-            <a:r>
-              <a:rPr lang="de-DE" dirty="0" smtClean="0"/>
-              <a:t>features</a:t>
+              <a:t>Survey of requirements and features</a:t>
             </a:r>
           </a:p>
           <a:p>
@@ -5281,7 +5271,6 @@
               <a:rPr lang="de-DE" sz="1600" dirty="0" smtClean="0"/>
               <a:t> </a:t>
             </a:r>
-            <a:endParaRPr lang="de-DE" sz="1600" dirty="0" smtClean="0"/>
           </a:p>
         </p:txBody>
       </p:sp>
@@ -5454,15 +5443,7 @@
           <a:p>
             <a:r>
               <a:rPr lang="de-DE" dirty="0" smtClean="0"/>
-              <a:t>Survey </a:t>
-            </a:r>
-            <a:r>
-              <a:rPr lang="de-DE" dirty="0" smtClean="0"/>
-              <a:t>of requirements and </a:t>
-            </a:r>
-            <a:r>
-              <a:rPr lang="de-DE" dirty="0" smtClean="0"/>
-              <a:t>features</a:t>
+              <a:t>Survey of requirements and features</a:t>
             </a:r>
           </a:p>
           <a:p>
@@ -5526,7 +5507,6 @@
               <a:rPr lang="de-DE" dirty="0" smtClean="0"/>
               <a:t>Khan et al. (ms), TITLE</a:t>
             </a:r>
-            <a:endParaRPr lang="de-DE" dirty="0" smtClean="0"/>
           </a:p>
         </p:txBody>
       </p:sp>
@@ -5637,25 +5617,13 @@
           <a:p>
             <a:r>
               <a:rPr lang="de-DE" dirty="0" smtClean="0"/>
-              <a:t>Survey </a:t>
-            </a:r>
-            <a:r>
-              <a:rPr lang="de-DE" dirty="0" smtClean="0"/>
-              <a:t>of requirements and features</a:t>
-            </a:r>
-          </a:p>
-          <a:p>
-            <a:r>
-              <a:rPr lang="de-DE" dirty="0" smtClean="0"/>
-              <a:t>Now, </a:t>
-            </a:r>
-            <a:r>
-              <a:rPr lang="de-DE" dirty="0" smtClean="0"/>
-              <a:t>decide how to develop common </a:t>
-            </a:r>
-            <a:r>
-              <a:rPr lang="de-DE" dirty="0" smtClean="0"/>
-              <a:t>specifications</a:t>
+              <a:t>Survey of requirements and features</a:t>
+            </a:r>
+          </a:p>
+          <a:p>
+            <a:r>
+              <a:rPr lang="de-DE" dirty="0" smtClean="0"/>
+              <a:t>Now, decide how to develop common specifications</a:t>
             </a:r>
           </a:p>
           <a:p>
@@ -5692,7 +5660,6 @@
               <a:rPr lang="de-DE" dirty="0" smtClean="0"/>
               <a:t>„LAF-RDF“ ?</a:t>
             </a:r>
-            <a:endParaRPr lang="de-DE" dirty="0" smtClean="0"/>
           </a:p>
         </p:txBody>
       </p:sp>
@@ -5803,25 +5770,13 @@
           <a:p>
             <a:r>
               <a:rPr lang="de-DE" dirty="0" smtClean="0"/>
-              <a:t>Survey </a:t>
-            </a:r>
-            <a:r>
-              <a:rPr lang="de-DE" dirty="0" smtClean="0"/>
-              <a:t>of requirements and features</a:t>
-            </a:r>
-          </a:p>
-          <a:p>
-            <a:r>
-              <a:rPr lang="de-DE" dirty="0" smtClean="0"/>
-              <a:t>Now, </a:t>
-            </a:r>
-            <a:r>
-              <a:rPr lang="de-DE" dirty="0" smtClean="0"/>
-              <a:t>decide how to develop common </a:t>
-            </a:r>
-            <a:r>
-              <a:rPr lang="de-DE" dirty="0" smtClean="0"/>
-              <a:t>specifications</a:t>
+              <a:t>Survey of requirements and features</a:t>
+            </a:r>
+          </a:p>
+          <a:p>
+            <a:r>
+              <a:rPr lang="de-DE" dirty="0" smtClean="0"/>
+              <a:t>Now, decide how to develop common specifications</a:t>
             </a:r>
           </a:p>
           <a:p>
@@ -6169,19 +6124,11 @@
             </a:pPr>
             <a:r>
               <a:rPr lang="en-GB" sz="1800" dirty="0"/>
-              <a:t>Web Annotation </a:t>
-            </a:r>
-            <a:r>
-              <a:rPr lang="en-GB" sz="1800" dirty="0"/>
-              <a:t>		</a:t>
+              <a:t>Web Annotation 		</a:t>
             </a:r>
             <a:r>
               <a:rPr lang="en-GB" sz="1600" dirty="0"/>
-              <a:t>(</a:t>
-            </a:r>
-            <a:r>
-              <a:rPr lang="en-GB" sz="1600" dirty="0"/>
-              <a:t>mostly for bioinformatics and DH)</a:t>
+              <a:t>(mostly for bioinformatics and DH)</a:t>
             </a:r>
             <a:endParaRPr sz="1600" dirty="0"/>
           </a:p>
@@ -6191,19 +6138,11 @@
             </a:pPr>
             <a:r>
               <a:rPr lang="en-GB" sz="1800" dirty="0"/>
-              <a:t>NLP Interchange Format </a:t>
-            </a:r>
-            <a:r>
-              <a:rPr lang="en-GB" sz="1800" dirty="0"/>
-              <a:t>	</a:t>
+              <a:t>NLP Interchange Format 	</a:t>
             </a:r>
             <a:r>
               <a:rPr lang="en-GB" sz="1600" dirty="0"/>
-              <a:t>(</a:t>
-            </a:r>
-            <a:r>
-              <a:rPr lang="en-GB" sz="1600" dirty="0"/>
-              <a:t>mostly for NLP web services)</a:t>
+              <a:t>(mostly for NLP web services)</a:t>
             </a:r>
             <a:endParaRPr sz="1600" dirty="0"/>
           </a:p>
@@ -6243,15 +6182,7 @@
             </a:r>
             <a:r>
               <a:rPr lang="en-GB" sz="1600" dirty="0"/>
-              <a:t>generic </a:t>
-            </a:r>
-            <a:r>
-              <a:rPr lang="en-GB" sz="1600" dirty="0"/>
-              <a:t>LAF data </a:t>
-            </a:r>
-            <a:r>
-              <a:rPr lang="en-GB" sz="1600" dirty="0"/>
-              <a:t>structures)</a:t>
+              <a:t>generic LAF data structures)</a:t>
             </a:r>
             <a:endParaRPr sz="1600" dirty="0"/>
           </a:p>
@@ -6261,11 +6192,7 @@
             </a:pPr>
             <a:r>
               <a:rPr lang="en-GB" sz="1800" dirty="0"/>
-              <a:t>Prospects on information integration recognized already during the </a:t>
-            </a:r>
-            <a:r>
-              <a:rPr lang="en-GB" sz="1800" dirty="0"/>
-              <a:t>2000s</a:t>
+              <a:t>Prospects on information integration recognized already during the 2000s</a:t>
             </a:r>
             <a:endParaRPr sz="1800" dirty="0"/>
           </a:p>
@@ -6449,7 +6376,6 @@
               <a:rPr lang="de-DE" dirty="0" smtClean="0"/>
               <a:t> </a:t>
             </a:r>
-            <a:endParaRPr lang="de-DE" dirty="0" smtClean="0"/>
           </a:p>
           <a:p>
             <a:r>
@@ -7234,11 +7160,7 @@
           <a:p>
             <a:r>
               <a:rPr lang="de-DE" dirty="0" smtClean="0"/>
-              <a:t>both supported by Web </a:t>
-            </a:r>
-            <a:r>
-              <a:rPr lang="de-DE" dirty="0" smtClean="0"/>
-              <a:t>Annotation</a:t>
+              <a:t>both supported by Web Annotation</a:t>
             </a:r>
           </a:p>
           <a:p>
@@ -7374,11 +7296,7 @@
             <a:pPr lvl="1"/>
             <a:r>
               <a:rPr lang="de-DE" dirty="0" smtClean="0"/>
-              <a:t>other </a:t>
-            </a:r>
-            <a:r>
-              <a:rPr lang="de-DE" dirty="0" smtClean="0"/>
-              <a:t>RDF vocabularies include</a:t>
+              <a:t>other RDF vocabularies include</a:t>
             </a:r>
           </a:p>
           <a:p>
@@ -7399,11 +7317,7 @@
             <a:pPr lvl="2"/>
             <a:r>
               <a:rPr lang="de-DE" dirty="0" smtClean="0"/>
-              <a:t>LAF/POWLA </a:t>
-            </a:r>
-            <a:r>
-              <a:rPr lang="de-DE" dirty="0" smtClean="0"/>
-              <a:t>(generic format[s], but limited tool support)</a:t>
+              <a:t>LAF/POWLA (generic format[s], but limited tool support)</a:t>
             </a:r>
           </a:p>
           <a:p>
@@ -7526,11 +7440,7 @@
           <a:p>
             <a:r>
               <a:rPr lang="de-DE" dirty="0" smtClean="0"/>
-              <a:t>Independent </a:t>
-            </a:r>
-            <a:r>
-              <a:rPr lang="de-DE" dirty="0" smtClean="0"/>
-              <a:t>API specifications</a:t>
+              <a:t>Independent API specifications</a:t>
             </a:r>
           </a:p>
           <a:p>
